--- a/3rd_Project/Category/Book/기능,화면,테스트 문서/3th_Project_화면 설계도(이유의).pptx
+++ b/3rd_Project/Category/Book/기능,화면,테스트 문서/3th_Project_화면 설계도(이유의).pptx
@@ -5967,7 +5967,7 @@
         </p:nvGraphicFramePr>
         <p:xfrm>
           <a:off x="7785735" y="709295"/>
-          <a:ext cx="4319905" cy="5951220"/>
+          <a:ext cx="4319905" cy="5949950"/>
         </p:xfrm>
         <a:graphic>
           <a:graphicData uri="http://schemas.openxmlformats.org/drawingml/2006/table">
@@ -5976,11 +5976,11 @@
                 <a:tableStyleId>{5C22544A-7EE6-4342-B048-85BDC9FD1C3A}</a:tableStyleId>
               </a:tblPr>
               <a:tblGrid>
-                <a:gridCol w="426720"/>
-                <a:gridCol w="561340"/>
+                <a:gridCol w="436245"/>
+                <a:gridCol w="551815"/>
                 <a:gridCol w="3331845"/>
               </a:tblGrid>
-              <a:tr h="158750">
+              <a:tr h="180975">
                 <a:tc>
                   <a:txBody>
                     <a:bodyPr/>
@@ -6249,7 +6249,7 @@
                   </a:tcPr>
                 </a:tc>
               </a:tr>
-              <a:tr h="864235">
+              <a:tr h="956310">
                 <a:tc>
                   <a:txBody>
                     <a:bodyPr/>
@@ -6670,7 +6670,7 @@
                   </a:tcPr>
                 </a:tc>
               </a:tr>
-              <a:tr h="1219835">
+              <a:tr h="1242695">
                 <a:tc>
                   <a:txBody>
                     <a:bodyPr/>
@@ -7289,7 +7289,7 @@
                   </a:tcPr>
                 </a:tc>
               </a:tr>
-              <a:tr h="915035">
+              <a:tr h="1043940">
                 <a:tc>
                   <a:txBody>
                     <a:bodyPr/>
@@ -7807,7 +7807,7 @@
                   </a:tcPr>
                 </a:tc>
               </a:tr>
-              <a:tr h="493395">
+              <a:tr h="562610">
                 <a:tc>
                   <a:txBody>
                     <a:bodyPr/>
@@ -8033,7 +8033,7 @@
                   </a:tcPr>
                 </a:tc>
               </a:tr>
-              <a:tr h="174625">
+              <a:tr h="480695">
                 <a:tc>
                   <a:txBody>
                     <a:bodyPr/>
@@ -8259,7 +8259,7 @@
                   </a:tcPr>
                 </a:tc>
               </a:tr>
-              <a:tr h="422275">
+              <a:tr h="461010">
                 <a:tc>
                   <a:txBody>
                     <a:bodyPr/>
@@ -8485,7 +8485,7 @@
                   </a:tcPr>
                 </a:tc>
               </a:tr>
-              <a:tr h="403860">
+              <a:tr h="563245">
                 <a:tc>
                   <a:txBody>
                     <a:bodyPr/>
@@ -8711,7 +8711,7 @@
                   </a:tcPr>
                 </a:tc>
               </a:tr>
-              <a:tr h="191135">
+              <a:tr h="458470">
                 <a:tc>
                   <a:txBody>
                     <a:bodyPr/>
@@ -8880,684 +8880,6 @@
                       <a:endParaRPr lang="ko-KR" altLang="en-US" sz="1000" kern="1200">
                         <a:solidFill>
                           <a:srgbClr val="000000"/>
-                        </a:solidFill>
-                        <a:latin typeface="맑은 고딕" panose="020B0503020000020004" charset="-127"/>
-                        <a:ea typeface="맑은 고딕" panose="020B0503020000020004" charset="-127"/>
-                      </a:endParaRPr>
-                    </a:p>
-                  </a:txBody>
-                  <a:tcPr marL="0" marR="0" marT="0" marB="0" anchor="ctr">
-                    <a:lnL w="12700" cap="flat" cmpd="sng" algn="ctr">
-                      <a:solidFill>
-                        <a:srgbClr val="000000">
-                          <a:alpha val="100000"/>
-                        </a:srgbClr>
-                      </a:solidFill>
-                      <a:prstDash val="solid"/>
-                      <a:round/>
-                      <a:headEnd type="none" w="med" len="med"/>
-                      <a:tailEnd type="none" w="med" len="med"/>
-                    </a:lnL>
-                    <a:lnR w="12700" cap="flat" cmpd="sng" algn="ctr">
-                      <a:solidFill>
-                        <a:srgbClr val="000000">
-                          <a:alpha val="100000"/>
-                        </a:srgbClr>
-                      </a:solidFill>
-                      <a:prstDash val="solid"/>
-                      <a:round/>
-                      <a:headEnd type="none" w="med" len="med"/>
-                      <a:tailEnd type="none" w="med" len="med"/>
-                    </a:lnR>
-                    <a:lnT w="12700" cap="flat" cmpd="sng" algn="ctr">
-                      <a:solidFill>
-                        <a:srgbClr val="000000">
-                          <a:alpha val="100000"/>
-                        </a:srgbClr>
-                      </a:solidFill>
-                      <a:prstDash val="solid"/>
-                      <a:round/>
-                      <a:headEnd type="none" w="med" len="med"/>
-                      <a:tailEnd type="none" w="med" len="med"/>
-                    </a:lnT>
-                    <a:lnB w="12700" cap="flat" cmpd="sng" algn="ctr">
-                      <a:solidFill>
-                        <a:srgbClr val="000000">
-                          <a:alpha val="100000"/>
-                        </a:srgbClr>
-                      </a:solidFill>
-                      <a:prstDash val="solid"/>
-                      <a:round/>
-                      <a:headEnd type="none" w="med" len="med"/>
-                      <a:tailEnd type="none" w="med" len="med"/>
-                    </a:lnB>
-                    <a:solidFill>
-                      <a:schemeClr val="bg1"/>
-                    </a:solidFill>
-                  </a:tcPr>
-                </a:tc>
-              </a:tr>
-              <a:tr h="494030">
-                <a:tc>
-                  <a:txBody>
-                    <a:bodyPr/>
-                    <a:p>
-                      <a:pPr marL="0" indent="0" algn="ctr" defTabSz="914400" eaLnBrk="1" latinLnBrk="1" hangingPunct="1">
-                        <a:lnSpc>
-                          <a:spcPct val="100000"/>
-                        </a:lnSpc>
-                        <a:spcBef>
-                          <a:spcPts val="0"/>
-                        </a:spcBef>
-                        <a:spcAft>
-                          <a:spcPts val="0"/>
-                        </a:spcAft>
-                        <a:buFontTx/>
-                        <a:buNone/>
-                      </a:pPr>
-                      <a:endParaRPr lang="ko-KR" altLang="en-US" sz="1000" b="0" i="0" kern="1200">
-                        <a:solidFill>
-                          <a:schemeClr val="tx1"/>
-                        </a:solidFill>
-                        <a:latin typeface="맑은 고딕" panose="020B0503020000020004" charset="-127"/>
-                        <a:ea typeface="맑은 고딕" panose="020B0503020000020004" charset="-127"/>
-                      </a:endParaRPr>
-                    </a:p>
-                  </a:txBody>
-                  <a:tcPr marL="0" marR="0" marT="0" marB="0" anchor="ctr">
-                    <a:lnL w="12700" cap="flat" cmpd="sng" algn="ctr">
-                      <a:solidFill>
-                        <a:srgbClr val="000000">
-                          <a:alpha val="100000"/>
-                        </a:srgbClr>
-                      </a:solidFill>
-                      <a:prstDash val="solid"/>
-                      <a:round/>
-                      <a:headEnd type="none" w="med" len="med"/>
-                      <a:tailEnd type="none" w="med" len="med"/>
-                    </a:lnL>
-                    <a:lnR w="12700" cap="flat" cmpd="sng" algn="ctr">
-                      <a:solidFill>
-                        <a:srgbClr val="000000">
-                          <a:alpha val="100000"/>
-                        </a:srgbClr>
-                      </a:solidFill>
-                      <a:prstDash val="solid"/>
-                      <a:round/>
-                      <a:headEnd type="none" w="med" len="med"/>
-                      <a:tailEnd type="none" w="med" len="med"/>
-                    </a:lnR>
-                    <a:lnT w="12700" cap="flat" cmpd="sng" algn="ctr">
-                      <a:solidFill>
-                        <a:srgbClr val="000000">
-                          <a:alpha val="100000"/>
-                        </a:srgbClr>
-                      </a:solidFill>
-                      <a:prstDash val="solid"/>
-                      <a:round/>
-                      <a:headEnd type="none" w="med" len="med"/>
-                      <a:tailEnd type="none" w="med" len="med"/>
-                    </a:lnT>
-                    <a:lnB w="12700" cap="flat" cmpd="sng" algn="ctr">
-                      <a:solidFill>
-                        <a:srgbClr val="000000">
-                          <a:alpha val="100000"/>
-                        </a:srgbClr>
-                      </a:solidFill>
-                      <a:prstDash val="solid"/>
-                      <a:round/>
-                      <a:headEnd type="none" w="med" len="med"/>
-                      <a:tailEnd type="none" w="med" len="med"/>
-                    </a:lnB>
-                    <a:noFill/>
-                  </a:tcPr>
-                </a:tc>
-                <a:tc>
-                  <a:txBody>
-                    <a:bodyPr/>
-                    <a:p>
-                      <a:pPr marL="0" indent="0" algn="ctr" defTabSz="914400" eaLnBrk="1" latinLnBrk="1" hangingPunct="1">
-                        <a:lnSpc>
-                          <a:spcPct val="100000"/>
-                        </a:lnSpc>
-                        <a:spcBef>
-                          <a:spcPts val="0"/>
-                        </a:spcBef>
-                        <a:spcAft>
-                          <a:spcPts val="0"/>
-                        </a:spcAft>
-                        <a:buFontTx/>
-                        <a:buNone/>
-                      </a:pPr>
-                      <a:endParaRPr lang="ko-KR" altLang="en-US" sz="1000" b="0" i="0" kern="1200">
-                        <a:solidFill>
-                          <a:schemeClr val="tx1"/>
-                        </a:solidFill>
-                        <a:latin typeface="맑은 고딕" panose="020B0503020000020004" charset="-127"/>
-                        <a:ea typeface="맑은 고딕" panose="020B0503020000020004" charset="-127"/>
-                      </a:endParaRPr>
-                    </a:p>
-                  </a:txBody>
-                  <a:tcPr marL="0" marR="0" marT="0" marB="0" anchor="ctr">
-                    <a:lnL w="12700" cap="flat" cmpd="sng" algn="ctr">
-                      <a:solidFill>
-                        <a:srgbClr val="000000">
-                          <a:alpha val="100000"/>
-                        </a:srgbClr>
-                      </a:solidFill>
-                      <a:prstDash val="solid"/>
-                      <a:round/>
-                      <a:headEnd type="none" w="med" len="med"/>
-                      <a:tailEnd type="none" w="med" len="med"/>
-                    </a:lnL>
-                    <a:lnR w="12700" cap="flat" cmpd="sng" algn="ctr">
-                      <a:solidFill>
-                        <a:srgbClr val="000000">
-                          <a:alpha val="100000"/>
-                        </a:srgbClr>
-                      </a:solidFill>
-                      <a:prstDash val="solid"/>
-                      <a:round/>
-                      <a:headEnd type="none" w="med" len="med"/>
-                      <a:tailEnd type="none" w="med" len="med"/>
-                    </a:lnR>
-                    <a:lnT w="12700" cap="flat" cmpd="sng" algn="ctr">
-                      <a:solidFill>
-                        <a:srgbClr val="000000">
-                          <a:alpha val="100000"/>
-                        </a:srgbClr>
-                      </a:solidFill>
-                      <a:prstDash val="solid"/>
-                      <a:round/>
-                      <a:headEnd type="none" w="med" len="med"/>
-                      <a:tailEnd type="none" w="med" len="med"/>
-                    </a:lnT>
-                    <a:lnB w="12700" cap="flat" cmpd="sng" algn="ctr">
-                      <a:solidFill>
-                        <a:srgbClr val="000000">
-                          <a:alpha val="100000"/>
-                        </a:srgbClr>
-                      </a:solidFill>
-                      <a:prstDash val="solid"/>
-                      <a:round/>
-                      <a:headEnd type="none" w="med" len="med"/>
-                      <a:tailEnd type="none" w="med" len="med"/>
-                    </a:lnB>
-                    <a:noFill/>
-                  </a:tcPr>
-                </a:tc>
-                <a:tc>
-                  <a:txBody>
-                    <a:bodyPr/>
-                    <a:p>
-                      <a:pPr marL="0" indent="0" algn="l" defTabSz="914400" eaLnBrk="1" latinLnBrk="1" hangingPunct="1">
-                        <a:lnSpc>
-                          <a:spcPct val="100000"/>
-                        </a:lnSpc>
-                        <a:spcBef>
-                          <a:spcPts val="0"/>
-                        </a:spcBef>
-                        <a:spcAft>
-                          <a:spcPts val="0"/>
-                        </a:spcAft>
-                        <a:buFontTx/>
-                        <a:buNone/>
-                      </a:pPr>
-                      <a:endParaRPr lang="ko-KR" altLang="en-US" sz="1000" kern="1200">
-                        <a:solidFill>
-                          <a:srgbClr val="000000"/>
-                        </a:solidFill>
-                        <a:latin typeface="맑은 고딕" panose="020B0503020000020004" charset="-127"/>
-                        <a:ea typeface="맑은 고딕" panose="020B0503020000020004" charset="-127"/>
-                      </a:endParaRPr>
-                    </a:p>
-                  </a:txBody>
-                  <a:tcPr marL="0" marR="0" marT="0" marB="0" anchor="ctr">
-                    <a:lnL w="12700" cap="flat" cmpd="sng" algn="ctr">
-                      <a:solidFill>
-                        <a:srgbClr val="000000">
-                          <a:alpha val="100000"/>
-                        </a:srgbClr>
-                      </a:solidFill>
-                      <a:prstDash val="solid"/>
-                      <a:round/>
-                      <a:headEnd type="none" w="med" len="med"/>
-                      <a:tailEnd type="none" w="med" len="med"/>
-                    </a:lnL>
-                    <a:lnR w="12700" cap="flat" cmpd="sng" algn="ctr">
-                      <a:solidFill>
-                        <a:srgbClr val="000000">
-                          <a:alpha val="100000"/>
-                        </a:srgbClr>
-                      </a:solidFill>
-                      <a:prstDash val="solid"/>
-                      <a:round/>
-                      <a:headEnd type="none" w="med" len="med"/>
-                      <a:tailEnd type="none" w="med" len="med"/>
-                    </a:lnR>
-                    <a:lnT w="12700" cap="flat" cmpd="sng" algn="ctr">
-                      <a:solidFill>
-                        <a:srgbClr val="000000">
-                          <a:alpha val="100000"/>
-                        </a:srgbClr>
-                      </a:solidFill>
-                      <a:prstDash val="solid"/>
-                      <a:round/>
-                      <a:headEnd type="none" w="med" len="med"/>
-                      <a:tailEnd type="none" w="med" len="med"/>
-                    </a:lnT>
-                    <a:lnB w="12700" cap="flat" cmpd="sng" algn="ctr">
-                      <a:solidFill>
-                        <a:srgbClr val="000000">
-                          <a:alpha val="100000"/>
-                        </a:srgbClr>
-                      </a:solidFill>
-                      <a:prstDash val="solid"/>
-                      <a:round/>
-                      <a:headEnd type="none" w="med" len="med"/>
-                      <a:tailEnd type="none" w="med" len="med"/>
-                    </a:lnB>
-                    <a:solidFill>
-                      <a:schemeClr val="bg1"/>
-                    </a:solidFill>
-                  </a:tcPr>
-                </a:tc>
-              </a:tr>
-              <a:tr h="401955">
-                <a:tc>
-                  <a:txBody>
-                    <a:bodyPr/>
-                    <a:p>
-                      <a:pPr marL="0" indent="0" algn="ctr" defTabSz="914400" eaLnBrk="1" latinLnBrk="1" hangingPunct="1">
-                        <a:lnSpc>
-                          <a:spcPct val="100000"/>
-                        </a:lnSpc>
-                        <a:spcBef>
-                          <a:spcPts val="0"/>
-                        </a:spcBef>
-                        <a:spcAft>
-                          <a:spcPts val="0"/>
-                        </a:spcAft>
-                        <a:buFontTx/>
-                        <a:buNone/>
-                      </a:pPr>
-                      <a:endParaRPr lang="ko-KR" altLang="en-US" sz="1000" b="0" i="0" kern="1200">
-                        <a:solidFill>
-                          <a:schemeClr val="tx1"/>
-                        </a:solidFill>
-                        <a:latin typeface="맑은 고딕" panose="020B0503020000020004" charset="-127"/>
-                        <a:ea typeface="맑은 고딕" panose="020B0503020000020004" charset="-127"/>
-                      </a:endParaRPr>
-                    </a:p>
-                  </a:txBody>
-                  <a:tcPr marL="0" marR="0" marT="0" marB="0" anchor="ctr">
-                    <a:lnL w="12700" cap="flat" cmpd="sng" algn="ctr">
-                      <a:solidFill>
-                        <a:srgbClr val="000000">
-                          <a:alpha val="100000"/>
-                        </a:srgbClr>
-                      </a:solidFill>
-                      <a:prstDash val="solid"/>
-                      <a:round/>
-                      <a:headEnd type="none" w="med" len="med"/>
-                      <a:tailEnd type="none" w="med" len="med"/>
-                    </a:lnL>
-                    <a:lnR w="12700" cap="flat" cmpd="sng" algn="ctr">
-                      <a:solidFill>
-                        <a:srgbClr val="000000">
-                          <a:alpha val="100000"/>
-                        </a:srgbClr>
-                      </a:solidFill>
-                      <a:prstDash val="solid"/>
-                      <a:round/>
-                      <a:headEnd type="none" w="med" len="med"/>
-                      <a:tailEnd type="none" w="med" len="med"/>
-                    </a:lnR>
-                    <a:lnT w="12700" cap="flat" cmpd="sng" algn="ctr">
-                      <a:solidFill>
-                        <a:srgbClr val="000000">
-                          <a:alpha val="100000"/>
-                        </a:srgbClr>
-                      </a:solidFill>
-                      <a:prstDash val="solid"/>
-                      <a:round/>
-                      <a:headEnd type="none" w="med" len="med"/>
-                      <a:tailEnd type="none" w="med" len="med"/>
-                    </a:lnT>
-                    <a:lnB w="12700" cap="flat" cmpd="sng" algn="ctr">
-                      <a:solidFill>
-                        <a:srgbClr val="000000">
-                          <a:alpha val="100000"/>
-                        </a:srgbClr>
-                      </a:solidFill>
-                      <a:prstDash val="solid"/>
-                      <a:round/>
-                      <a:headEnd type="none" w="med" len="med"/>
-                      <a:tailEnd type="none" w="med" len="med"/>
-                    </a:lnB>
-                    <a:noFill/>
-                  </a:tcPr>
-                </a:tc>
-                <a:tc>
-                  <a:txBody>
-                    <a:bodyPr/>
-                    <a:p>
-                      <a:pPr marL="0" indent="0" algn="ctr" defTabSz="914400" eaLnBrk="1" latinLnBrk="1" hangingPunct="1">
-                        <a:lnSpc>
-                          <a:spcPct val="100000"/>
-                        </a:lnSpc>
-                        <a:spcBef>
-                          <a:spcPts val="0"/>
-                        </a:spcBef>
-                        <a:spcAft>
-                          <a:spcPts val="0"/>
-                        </a:spcAft>
-                        <a:buFontTx/>
-                        <a:buNone/>
-                      </a:pPr>
-                      <a:endParaRPr lang="ko-KR" altLang="en-US" sz="1000" b="0" i="0" kern="1200">
-                        <a:solidFill>
-                          <a:schemeClr val="tx1"/>
-                        </a:solidFill>
-                        <a:latin typeface="맑은 고딕" panose="020B0503020000020004" charset="-127"/>
-                        <a:ea typeface="맑은 고딕" panose="020B0503020000020004" charset="-127"/>
-                      </a:endParaRPr>
-                    </a:p>
-                  </a:txBody>
-                  <a:tcPr marL="0" marR="0" marT="0" marB="0" anchor="ctr">
-                    <a:lnL w="12700" cap="flat" cmpd="sng" algn="ctr">
-                      <a:solidFill>
-                        <a:srgbClr val="000000">
-                          <a:alpha val="100000"/>
-                        </a:srgbClr>
-                      </a:solidFill>
-                      <a:prstDash val="solid"/>
-                      <a:round/>
-                      <a:headEnd type="none" w="med" len="med"/>
-                      <a:tailEnd type="none" w="med" len="med"/>
-                    </a:lnL>
-                    <a:lnR w="12700" cap="flat" cmpd="sng" algn="ctr">
-                      <a:solidFill>
-                        <a:srgbClr val="000000">
-                          <a:alpha val="100000"/>
-                        </a:srgbClr>
-                      </a:solidFill>
-                      <a:prstDash val="solid"/>
-                      <a:round/>
-                      <a:headEnd type="none" w="med" len="med"/>
-                      <a:tailEnd type="none" w="med" len="med"/>
-                    </a:lnR>
-                    <a:lnT w="12700" cap="flat" cmpd="sng" algn="ctr">
-                      <a:solidFill>
-                        <a:srgbClr val="000000">
-                          <a:alpha val="100000"/>
-                        </a:srgbClr>
-                      </a:solidFill>
-                      <a:prstDash val="solid"/>
-                      <a:round/>
-                      <a:headEnd type="none" w="med" len="med"/>
-                      <a:tailEnd type="none" w="med" len="med"/>
-                    </a:lnT>
-                    <a:lnB w="12700" cap="flat" cmpd="sng" algn="ctr">
-                      <a:solidFill>
-                        <a:srgbClr val="000000">
-                          <a:alpha val="100000"/>
-                        </a:srgbClr>
-                      </a:solidFill>
-                      <a:prstDash val="solid"/>
-                      <a:round/>
-                      <a:headEnd type="none" w="med" len="med"/>
-                      <a:tailEnd type="none" w="med" len="med"/>
-                    </a:lnB>
-                    <a:noFill/>
-                  </a:tcPr>
-                </a:tc>
-                <a:tc>
-                  <a:txBody>
-                    <a:bodyPr/>
-                    <a:p>
-                      <a:pPr marL="0" indent="0" algn="l" defTabSz="914400" eaLnBrk="1" latinLnBrk="1" hangingPunct="1">
-                        <a:lnSpc>
-                          <a:spcPct val="100000"/>
-                        </a:lnSpc>
-                        <a:spcBef>
-                          <a:spcPts val="0"/>
-                        </a:spcBef>
-                        <a:spcAft>
-                          <a:spcPts val="0"/>
-                        </a:spcAft>
-                        <a:buFontTx/>
-                        <a:buNone/>
-                      </a:pPr>
-                      <a:endParaRPr lang="ko-KR" altLang="en-US" sz="1000" kern="1200">
-                        <a:solidFill>
-                          <a:srgbClr val="000000"/>
-                        </a:solidFill>
-                        <a:latin typeface="맑은 고딕" panose="020B0503020000020004" charset="-127"/>
-                        <a:ea typeface="맑은 고딕" panose="020B0503020000020004" charset="-127"/>
-                      </a:endParaRPr>
-                    </a:p>
-                  </a:txBody>
-                  <a:tcPr marL="0" marR="0" marT="0" marB="0" anchor="ctr">
-                    <a:lnL w="12700" cap="flat" cmpd="sng" algn="ctr">
-                      <a:solidFill>
-                        <a:srgbClr val="000000">
-                          <a:alpha val="100000"/>
-                        </a:srgbClr>
-                      </a:solidFill>
-                      <a:prstDash val="solid"/>
-                      <a:round/>
-                      <a:headEnd type="none" w="med" len="med"/>
-                      <a:tailEnd type="none" w="med" len="med"/>
-                    </a:lnL>
-                    <a:lnR w="12700" cap="flat" cmpd="sng" algn="ctr">
-                      <a:solidFill>
-                        <a:srgbClr val="000000">
-                          <a:alpha val="100000"/>
-                        </a:srgbClr>
-                      </a:solidFill>
-                      <a:prstDash val="solid"/>
-                      <a:round/>
-                      <a:headEnd type="none" w="med" len="med"/>
-                      <a:tailEnd type="none" w="med" len="med"/>
-                    </a:lnR>
-                    <a:lnT w="12700" cap="flat" cmpd="sng" algn="ctr">
-                      <a:solidFill>
-                        <a:srgbClr val="000000">
-                          <a:alpha val="100000"/>
-                        </a:srgbClr>
-                      </a:solidFill>
-                      <a:prstDash val="solid"/>
-                      <a:round/>
-                      <a:headEnd type="none" w="med" len="med"/>
-                      <a:tailEnd type="none" w="med" len="med"/>
-                    </a:lnT>
-                    <a:lnB w="12700" cap="flat" cmpd="sng" algn="ctr">
-                      <a:solidFill>
-                        <a:srgbClr val="000000">
-                          <a:alpha val="100000"/>
-                        </a:srgbClr>
-                      </a:solidFill>
-                      <a:prstDash val="solid"/>
-                      <a:round/>
-                      <a:headEnd type="none" w="med" len="med"/>
-                      <a:tailEnd type="none" w="med" len="med"/>
-                    </a:lnB>
-                    <a:solidFill>
-                      <a:schemeClr val="bg1"/>
-                    </a:solidFill>
-                  </a:tcPr>
-                </a:tc>
-              </a:tr>
-              <a:tr h="212090">
-                <a:tc>
-                  <a:txBody>
-                    <a:bodyPr/>
-                    <a:p>
-                      <a:pPr marL="0" indent="0" algn="ctr" defTabSz="914400" eaLnBrk="1" latinLnBrk="1" hangingPunct="1">
-                        <a:lnSpc>
-                          <a:spcPct val="100000"/>
-                        </a:lnSpc>
-                        <a:spcBef>
-                          <a:spcPts val="0"/>
-                        </a:spcBef>
-                        <a:spcAft>
-                          <a:spcPts val="0"/>
-                        </a:spcAft>
-                        <a:buFontTx/>
-                        <a:buNone/>
-                      </a:pPr>
-                      <a:endParaRPr lang="ko-KR" altLang="en-US" sz="1000" b="0" i="0" kern="1200">
-                        <a:solidFill>
-                          <a:schemeClr val="tx1"/>
-                        </a:solidFill>
-                        <a:latin typeface="맑은 고딕" panose="020B0503020000020004" charset="-127"/>
-                        <a:ea typeface="맑은 고딕" panose="020B0503020000020004" charset="-127"/>
-                      </a:endParaRPr>
-                    </a:p>
-                  </a:txBody>
-                  <a:tcPr marL="0" marR="0" marT="0" marB="0" anchor="ctr">
-                    <a:lnL w="12700" cap="flat" cmpd="sng" algn="ctr">
-                      <a:solidFill>
-                        <a:srgbClr val="000000">
-                          <a:alpha val="100000"/>
-                        </a:srgbClr>
-                      </a:solidFill>
-                      <a:prstDash val="solid"/>
-                      <a:round/>
-                      <a:headEnd type="none" w="med" len="med"/>
-                      <a:tailEnd type="none" w="med" len="med"/>
-                    </a:lnL>
-                    <a:lnR w="12700" cap="flat" cmpd="sng" algn="ctr">
-                      <a:solidFill>
-                        <a:srgbClr val="000000">
-                          <a:alpha val="100000"/>
-                        </a:srgbClr>
-                      </a:solidFill>
-                      <a:prstDash val="solid"/>
-                      <a:round/>
-                      <a:headEnd type="none" w="med" len="med"/>
-                      <a:tailEnd type="none" w="med" len="med"/>
-                    </a:lnR>
-                    <a:lnT w="12700" cap="flat" cmpd="sng" algn="ctr">
-                      <a:solidFill>
-                        <a:srgbClr val="000000">
-                          <a:alpha val="100000"/>
-                        </a:srgbClr>
-                      </a:solidFill>
-                      <a:prstDash val="solid"/>
-                      <a:round/>
-                      <a:headEnd type="none" w="med" len="med"/>
-                      <a:tailEnd type="none" w="med" len="med"/>
-                    </a:lnT>
-                    <a:lnB w="12700" cap="flat" cmpd="sng" algn="ctr">
-                      <a:solidFill>
-                        <a:srgbClr val="000000">
-                          <a:alpha val="100000"/>
-                        </a:srgbClr>
-                      </a:solidFill>
-                      <a:prstDash val="solid"/>
-                      <a:round/>
-                      <a:headEnd type="none" w="med" len="med"/>
-                      <a:tailEnd type="none" w="med" len="med"/>
-                    </a:lnB>
-                    <a:noFill/>
-                  </a:tcPr>
-                </a:tc>
-                <a:tc>
-                  <a:txBody>
-                    <a:bodyPr/>
-                    <a:p>
-                      <a:pPr marL="0" indent="0" algn="ctr" defTabSz="914400" eaLnBrk="1" latinLnBrk="1" hangingPunct="1">
-                        <a:lnSpc>
-                          <a:spcPct val="100000"/>
-                        </a:lnSpc>
-                        <a:spcBef>
-                          <a:spcPts val="0"/>
-                        </a:spcBef>
-                        <a:spcAft>
-                          <a:spcPts val="0"/>
-                        </a:spcAft>
-                        <a:buFontTx/>
-                        <a:buNone/>
-                      </a:pPr>
-                      <a:endParaRPr lang="ko-KR" altLang="en-US" sz="1000" b="0" i="0" kern="1200">
-                        <a:solidFill>
-                          <a:schemeClr val="tx1"/>
-                        </a:solidFill>
-                        <a:latin typeface="맑은 고딕" panose="020B0503020000020004" charset="-127"/>
-                        <a:ea typeface="맑은 고딕" panose="020B0503020000020004" charset="-127"/>
-                      </a:endParaRPr>
-                    </a:p>
-                  </a:txBody>
-                  <a:tcPr marL="0" marR="0" marT="0" marB="0" anchor="ctr">
-                    <a:lnL w="12700" cap="flat" cmpd="sng" algn="ctr">
-                      <a:solidFill>
-                        <a:srgbClr val="000000">
-                          <a:alpha val="100000"/>
-                        </a:srgbClr>
-                      </a:solidFill>
-                      <a:prstDash val="solid"/>
-                      <a:round/>
-                      <a:headEnd type="none" w="med" len="med"/>
-                      <a:tailEnd type="none" w="med" len="med"/>
-                    </a:lnL>
-                    <a:lnR w="12700" cap="flat" cmpd="sng" algn="ctr">
-                      <a:solidFill>
-                        <a:srgbClr val="000000">
-                          <a:alpha val="100000"/>
-                        </a:srgbClr>
-                      </a:solidFill>
-                      <a:prstDash val="solid"/>
-                      <a:round/>
-                      <a:headEnd type="none" w="med" len="med"/>
-                      <a:tailEnd type="none" w="med" len="med"/>
-                    </a:lnR>
-                    <a:lnT w="12700" cap="flat" cmpd="sng" algn="ctr">
-                      <a:solidFill>
-                        <a:srgbClr val="000000">
-                          <a:alpha val="100000"/>
-                        </a:srgbClr>
-                      </a:solidFill>
-                      <a:prstDash val="solid"/>
-                      <a:round/>
-                      <a:headEnd type="none" w="med" len="med"/>
-                      <a:tailEnd type="none" w="med" len="med"/>
-                    </a:lnT>
-                    <a:lnB w="12700" cap="flat" cmpd="sng" algn="ctr">
-                      <a:solidFill>
-                        <a:srgbClr val="000000">
-                          <a:alpha val="100000"/>
-                        </a:srgbClr>
-                      </a:solidFill>
-                      <a:prstDash val="solid"/>
-                      <a:round/>
-                      <a:headEnd type="none" w="med" len="med"/>
-                      <a:tailEnd type="none" w="med" len="med"/>
-                    </a:lnB>
-                    <a:noFill/>
-                  </a:tcPr>
-                </a:tc>
-                <a:tc>
-                  <a:txBody>
-                    <a:bodyPr/>
-                    <a:p>
-                      <a:pPr marL="0" indent="0" algn="l" defTabSz="914400" eaLnBrk="1" latinLnBrk="1" hangingPunct="1">
-                        <a:lnSpc>
-                          <a:spcPct val="100000"/>
-                        </a:lnSpc>
-                        <a:spcBef>
-                          <a:spcPts val="0"/>
-                        </a:spcBef>
-                        <a:spcAft>
-                          <a:spcPts val="0"/>
-                        </a:spcAft>
-                        <a:buFontTx/>
-                        <a:buNone/>
-                      </a:pPr>
-                      <a:endParaRPr lang="ko-KR" altLang="en-US" sz="1000" b="0" i="0" kern="1200">
-                        <a:solidFill>
-                          <a:schemeClr val="tx1"/>
                         </a:solidFill>
                         <a:latin typeface="맑은 고딕" panose="020B0503020000020004" charset="-127"/>
                         <a:ea typeface="맑은 고딕" panose="020B0503020000020004" charset="-127"/>
@@ -13574,7 +12896,7 @@
                           <a:ea typeface="맑은 고딕" panose="020B0503020000020004" charset="-127"/>
                           <a:sym typeface="+mn-ea"/>
                         </a:rPr>
-                        <a:t>알림팝업을</a:t>
+                        <a:t>알림 팝업을</a:t>
                       </a:r>
                       <a:r>
                         <a:rPr lang="ko-KR" altLang="en-US" sz="1000" kern="1200" dirty="0" smtClean="0">
@@ -29874,6 +29196,17 @@
                         <a:t>- </a:t>
                       </a:r>
                       <a:r>
+                        <a:rPr altLang="en-US" sz="1000" kern="1200" dirty="0">
+                          <a:solidFill>
+                            <a:schemeClr val="tx1"/>
+                          </a:solidFill>
+                          <a:latin typeface="맑은 고딕" panose="020B0503020000020004" charset="-127"/>
+                          <a:ea typeface="맑은 고딕" panose="020B0503020000020004" charset="-127"/>
+                          <a:sym typeface="+mn-ea"/>
+                        </a:rPr>
+                        <a:t>모두 동의 </a:t>
+                      </a:r>
+                      <a:r>
                         <a:rPr altLang="en-US" sz="1000" kern="1200">
                           <a:solidFill>
                             <a:schemeClr val="tx1"/>
@@ -29942,83 +29275,34 @@
                         <a:t>- </a:t>
                       </a:r>
                       <a:r>
-                        <a:rPr lang="en-US" altLang="ko-KR" sz="1000" kern="1200">
-                          <a:solidFill>
-                            <a:schemeClr val="tx1"/>
-                          </a:solidFill>
-                          <a:latin typeface="맑은 고딕" panose="020B0503020000020004" charset="-127"/>
-                          <a:ea typeface="맑은 고딕" panose="020B0503020000020004" charset="-127"/>
-                        </a:rPr>
-                        <a:t>구매조건,개인정보수집,결제대행</a:t>
-                      </a:r>
-                      <a:endParaRPr lang="en-US" altLang="ko-KR" sz="1000" kern="1200">
+                        <a:rPr altLang="en-US" sz="1000" kern="1200" dirty="0">
+                          <a:solidFill>
+                            <a:schemeClr val="tx1"/>
+                          </a:solidFill>
+                          <a:latin typeface="맑은 고딕" panose="020B0503020000020004" charset="-127"/>
+                          <a:ea typeface="맑은 고딕" panose="020B0503020000020004" charset="-127"/>
+                          <a:sym typeface="+mn-ea"/>
+                        </a:rPr>
+                        <a:t>모두 동의 </a:t>
+                      </a:r>
+                      <a:r>
+                        <a:rPr altLang="en-US" sz="1000" kern="1200">
+                          <a:solidFill>
+                            <a:schemeClr val="tx1"/>
+                          </a:solidFill>
+                          <a:latin typeface="맑은 고딕" panose="020B0503020000020004" charset="-127"/>
+                          <a:ea typeface="맑은 고딕" panose="020B0503020000020004" charset="-127"/>
+                          <a:sym typeface="+mn-ea"/>
+                        </a:rPr>
+                        <a:t>체크박스 체크해제</a:t>
+                      </a:r>
+                      <a:endParaRPr altLang="en-US" sz="1000" kern="1200">
                         <a:solidFill>
                           <a:schemeClr val="tx1"/>
                         </a:solidFill>
                         <a:latin typeface="맑은 고딕" panose="020B0503020000020004" charset="-127"/>
                         <a:ea typeface="맑은 고딕" panose="020B0503020000020004" charset="-127"/>
-                      </a:endParaRPr>
-                    </a:p>
-                    <a:p>
-                      <a:pPr marL="0" indent="0" algn="l" defTabSz="914400" eaLnBrk="1" latinLnBrk="1" hangingPunct="1">
-                        <a:lnSpc>
-                          <a:spcPct val="100000"/>
-                        </a:lnSpc>
-                        <a:spcBef>
-                          <a:spcPts val="0"/>
-                        </a:spcBef>
-                        <a:spcAft>
-                          <a:spcPts val="0"/>
-                        </a:spcAft>
-                        <a:buFontTx/>
-                        <a:buNone/>
-                      </a:pPr>
-                      <a:r>
-                        <a:rPr lang="en-US" altLang="ko-KR" sz="1000" kern="1200">
-                          <a:solidFill>
-                            <a:schemeClr val="tx1"/>
-                          </a:solidFill>
-                          <a:latin typeface="맑은 고딕" panose="020B0503020000020004" charset="-127"/>
-                          <a:ea typeface="맑은 고딕" panose="020B0503020000020004" charset="-127"/>
-                        </a:rPr>
-                        <a:t>  서비스</a:t>
-                      </a:r>
-                      <a:r>
-                        <a:rPr altLang="en-US" sz="1000" kern="1200">
-                          <a:solidFill>
-                            <a:schemeClr val="tx1"/>
-                          </a:solidFill>
-                          <a:latin typeface="맑은 고딕" panose="020B0503020000020004" charset="-127"/>
-                          <a:ea typeface="맑은 고딕" panose="020B0503020000020004" charset="-127"/>
-                        </a:rPr>
-                        <a:t>의 </a:t>
-                      </a:r>
-                      <a:r>
-                        <a:rPr altLang="en-US" sz="1000" kern="1200">
-                          <a:solidFill>
-                            <a:schemeClr val="tx1"/>
-                          </a:solidFill>
-                          <a:latin typeface="맑은 고딕" panose="020B0503020000020004" charset="-127"/>
-                          <a:ea typeface="맑은 고딕" panose="020B0503020000020004" charset="-127"/>
-                        </a:rPr>
-                        <a:t>체크박스를 </a:t>
-                      </a:r>
-                      <a:r>
-                        <a:rPr lang="en-US" altLang="ko-KR" sz="1000" kern="1200">
-                          <a:solidFill>
-                            <a:schemeClr val="tx1"/>
-                          </a:solidFill>
-                          <a:latin typeface="맑은 고딕" panose="020B0503020000020004" charset="-127"/>
-                          <a:ea typeface="맑은 고딕" panose="020B0503020000020004" charset="-127"/>
-                        </a:rPr>
-                        <a:t>체크</a:t>
-                      </a:r>
-                      <a:endParaRPr lang="en-US" altLang="ko-KR" sz="1000" kern="1200">
-                        <a:solidFill>
-                          <a:schemeClr val="tx1"/>
-                        </a:solidFill>
-                        <a:latin typeface="맑은 고딕" panose="020B0503020000020004" charset="-127"/>
-                        <a:ea typeface="맑은 고딕" panose="020B0503020000020004" charset="-127"/>
+                        <a:sym typeface="+mn-ea"/>
                       </a:endParaRPr>
                     </a:p>
                     <a:p>
@@ -30070,15 +29354,44 @@
                         <a:t>- </a:t>
                       </a:r>
                       <a:r>
+                        <a:rPr lang="en-US" altLang="ko-KR" sz="1000" kern="1200">
+                          <a:solidFill>
+                            <a:schemeClr val="tx1"/>
+                          </a:solidFill>
+                          <a:latin typeface="맑은 고딕" panose="020B0503020000020004" charset="-127"/>
+                          <a:ea typeface="맑은 고딕" panose="020B0503020000020004" charset="-127"/>
+                        </a:rPr>
+                        <a:t>구매조건,개인정보수집,결제대행서비스</a:t>
+                      </a:r>
+                      <a:r>
                         <a:rPr altLang="en-US" sz="1000" kern="1200">
                           <a:solidFill>
                             <a:schemeClr val="tx1"/>
                           </a:solidFill>
                           <a:latin typeface="맑은 고딕" panose="020B0503020000020004" charset="-127"/>
                           <a:ea typeface="맑은 고딕" panose="020B0503020000020004" charset="-127"/>
-                          <a:sym typeface="+mn-ea"/>
-                        </a:rPr>
-                        <a:t>체크박스 체크해제</a:t>
+                        </a:rPr>
+                        <a:t>의 </a:t>
+                      </a:r>
+                      <a:r>
+                        <a:rPr altLang="en-US" sz="1000" kern="1200">
+                          <a:solidFill>
+                            <a:schemeClr val="tx1"/>
+                          </a:solidFill>
+                          <a:latin typeface="맑은 고딕" panose="020B0503020000020004" charset="-127"/>
+                          <a:ea typeface="맑은 고딕" panose="020B0503020000020004" charset="-127"/>
+                        </a:rPr>
+                        <a:t>체크박스를 </a:t>
+                      </a:r>
+                      <a:r>
+                        <a:rPr lang="en-US" altLang="ko-KR" sz="1000" kern="1200">
+                          <a:solidFill>
+                            <a:schemeClr val="tx1"/>
+                          </a:solidFill>
+                          <a:latin typeface="맑은 고딕" panose="020B0503020000020004" charset="-127"/>
+                          <a:ea typeface="맑은 고딕" panose="020B0503020000020004" charset="-127"/>
+                        </a:rPr>
+                        <a:t>체크</a:t>
                       </a:r>
                       <a:endParaRPr lang="en-US" altLang="ko-KR" sz="1000" kern="1200">
                         <a:solidFill>

--- a/3rd_Project/Category/Book/기능,화면,테스트 문서/3th_Project_화면 설계도(이유의).pptx
+++ b/3rd_Project/Category/Book/기능,화면,테스트 문서/3th_Project_화면 설계도(이유의).pptx
@@ -5649,7 +5649,7 @@
                           <a:ea typeface="맑은 고딕" panose="020B0503020000020004" charset="-127"/>
                           <a:sym typeface="+mn-ea"/>
                         </a:rPr>
-                        <a:t>buybook.html</a:t>
+                        <a:t>Category/Book/buybook.html</a:t>
                       </a:r>
                       <a:endParaRPr lang="ko-KR" altLang="en-US" sz="1000" b="0" i="0" kern="1200">
                         <a:solidFill>
@@ -9873,6 +9873,28 @@
                         <a:buFontTx/>
                         <a:buNone/>
                       </a:pPr>
+                      <a:r>
+                        <a:rPr lang="en-US" altLang="ko-KR" sz="1000" kern="1200">
+                          <a:solidFill>
+                            <a:schemeClr val="tx1"/>
+                          </a:solidFill>
+                          <a:latin typeface="맑은 고딕" panose="020B0503020000020004" charset="-127"/>
+                          <a:ea typeface="맑은 고딕" panose="020B0503020000020004" charset="-127"/>
+                          <a:sym typeface="+mn-ea"/>
+                        </a:rPr>
+                        <a:t>Category/</a:t>
+                      </a:r>
+                      <a:r>
+                        <a:rPr lang="en-US" altLang="ko-KR" sz="1000" kern="1200">
+                          <a:solidFill>
+                            <a:schemeClr val="tx1"/>
+                          </a:solidFill>
+                          <a:latin typeface="맑은 고딕" panose="020B0503020000020004" charset="-127"/>
+                          <a:ea typeface="맑은 고딕" panose="020B0503020000020004" charset="-127"/>
+                          <a:sym typeface="+mn-ea"/>
+                        </a:rPr>
+                        <a:t>Book/</a:t>
+                      </a:r>
                       <a:r>
                         <a:rPr lang="en-US" altLang="ko-KR" sz="1000" kern="1200">
                           <a:solidFill>
@@ -15554,6 +15576,28 @@
                         <a:buFontTx/>
                         <a:buNone/>
                       </a:pPr>
+                      <a:r>
+                        <a:rPr lang="en-US" altLang="ko-KR" sz="1000" kern="1200">
+                          <a:solidFill>
+                            <a:schemeClr val="tx1"/>
+                          </a:solidFill>
+                          <a:latin typeface="맑은 고딕" panose="020B0503020000020004" charset="-127"/>
+                          <a:ea typeface="맑은 고딕" panose="020B0503020000020004" charset="-127"/>
+                          <a:sym typeface="+mn-ea"/>
+                        </a:rPr>
+                        <a:t>Category/</a:t>
+                      </a:r>
+                      <a:r>
+                        <a:rPr lang="en-US" altLang="ko-KR" sz="1000" kern="1200">
+                          <a:solidFill>
+                            <a:schemeClr val="tx1"/>
+                          </a:solidFill>
+                          <a:latin typeface="맑은 고딕" panose="020B0503020000020004" charset="-127"/>
+                          <a:ea typeface="맑은 고딕" panose="020B0503020000020004" charset="-127"/>
+                          <a:sym typeface="+mn-ea"/>
+                        </a:rPr>
+                        <a:t>Book/</a:t>
+                      </a:r>
                       <a:r>
                         <a:rPr lang="en-US" altLang="ko-KR" sz="1000" kern="1200">
                           <a:solidFill>
@@ -20574,6 +20618,28 @@
                           <a:ea typeface="맑은 고딕" panose="020B0503020000020004" charset="-127"/>
                           <a:sym typeface="+mn-ea"/>
                         </a:rPr>
+                        <a:t>Category/</a:t>
+                      </a:r>
+                      <a:r>
+                        <a:rPr lang="en-US" altLang="ko-KR" sz="1000" kern="1200">
+                          <a:solidFill>
+                            <a:schemeClr val="tx1"/>
+                          </a:solidFill>
+                          <a:latin typeface="맑은 고딕" panose="020B0503020000020004" charset="-127"/>
+                          <a:ea typeface="맑은 고딕" panose="020B0503020000020004" charset="-127"/>
+                          <a:sym typeface="+mn-ea"/>
+                        </a:rPr>
+                        <a:t>Book/</a:t>
+                      </a:r>
+                      <a:r>
+                        <a:rPr lang="en-US" altLang="ko-KR" sz="1000" kern="1200">
+                          <a:solidFill>
+                            <a:schemeClr val="tx1"/>
+                          </a:solidFill>
+                          <a:latin typeface="맑은 고딕" panose="020B0503020000020004" charset="-127"/>
+                          <a:ea typeface="맑은 고딕" panose="020B0503020000020004" charset="-127"/>
+                          <a:sym typeface="+mn-ea"/>
+                        </a:rPr>
                         <a:t>order.html</a:t>
                       </a:r>
                       <a:endParaRPr lang="ko-KR" altLang="en-US" sz="1000" b="0" i="0" kern="1200">
@@ -24249,6 +24315,28 @@
                         <a:buFontTx/>
                         <a:buNone/>
                       </a:pPr>
+                      <a:r>
+                        <a:rPr lang="en-US" altLang="ko-KR" sz="1000" kern="1200">
+                          <a:solidFill>
+                            <a:schemeClr val="tx1"/>
+                          </a:solidFill>
+                          <a:latin typeface="맑은 고딕" panose="020B0503020000020004" charset="-127"/>
+                          <a:ea typeface="맑은 고딕" panose="020B0503020000020004" charset="-127"/>
+                          <a:sym typeface="+mn-ea"/>
+                        </a:rPr>
+                        <a:t>Category/</a:t>
+                      </a:r>
+                      <a:r>
+                        <a:rPr lang="en-US" altLang="ko-KR" sz="1000" kern="1200">
+                          <a:solidFill>
+                            <a:schemeClr val="tx1"/>
+                          </a:solidFill>
+                          <a:latin typeface="맑은 고딕" panose="020B0503020000020004" charset="-127"/>
+                          <a:ea typeface="맑은 고딕" panose="020B0503020000020004" charset="-127"/>
+                          <a:sym typeface="+mn-ea"/>
+                        </a:rPr>
+                        <a:t>Book/</a:t>
+                      </a:r>
                       <a:r>
                         <a:rPr lang="en-US" altLang="ko-KR" sz="1000" kern="1200">
                           <a:solidFill>
@@ -27861,6 +27949,28 @@
                           <a:ea typeface="맑은 고딕" panose="020B0503020000020004" charset="-127"/>
                           <a:sym typeface="+mn-ea"/>
                         </a:rPr>
+                        <a:t>Category/</a:t>
+                      </a:r>
+                      <a:r>
+                        <a:rPr lang="en-US" altLang="ko-KR" sz="1000" kern="1200">
+                          <a:solidFill>
+                            <a:schemeClr val="tx1"/>
+                          </a:solidFill>
+                          <a:latin typeface="맑은 고딕" panose="020B0503020000020004" charset="-127"/>
+                          <a:ea typeface="맑은 고딕" panose="020B0503020000020004" charset="-127"/>
+                          <a:sym typeface="+mn-ea"/>
+                        </a:rPr>
+                        <a:t>Book/</a:t>
+                      </a:r>
+                      <a:r>
+                        <a:rPr lang="en-US" altLang="ko-KR" sz="1000" kern="1200">
+                          <a:solidFill>
+                            <a:schemeClr val="tx1"/>
+                          </a:solidFill>
+                          <a:latin typeface="맑은 고딕" panose="020B0503020000020004" charset="-127"/>
+                          <a:ea typeface="맑은 고딕" panose="020B0503020000020004" charset="-127"/>
+                          <a:sym typeface="+mn-ea"/>
+                        </a:rPr>
                         <a:t>order.html</a:t>
                       </a:r>
                       <a:endParaRPr lang="ko-KR" altLang="en-US" sz="1000" b="0" i="0" kern="1200">
@@ -32014,6 +32124,28 @@
                           <a:ea typeface="맑은 고딕" panose="020B0503020000020004" charset="-127"/>
                           <a:sym typeface="+mn-ea"/>
                         </a:rPr>
+                        <a:t>Category/</a:t>
+                      </a:r>
+                      <a:r>
+                        <a:rPr lang="en-US" altLang="ko-KR" sz="1000" kern="1200">
+                          <a:solidFill>
+                            <a:schemeClr val="tx1"/>
+                          </a:solidFill>
+                          <a:latin typeface="맑은 고딕" panose="020B0503020000020004" charset="-127"/>
+                          <a:ea typeface="맑은 고딕" panose="020B0503020000020004" charset="-127"/>
+                          <a:sym typeface="+mn-ea"/>
+                        </a:rPr>
+                        <a:t>Book/</a:t>
+                      </a:r>
+                      <a:r>
+                        <a:rPr lang="en-US" altLang="ko-KR" sz="1000" kern="1200">
+                          <a:solidFill>
+                            <a:schemeClr val="tx1"/>
+                          </a:solidFill>
+                          <a:latin typeface="맑은 고딕" panose="020B0503020000020004" charset="-127"/>
+                          <a:ea typeface="맑은 고딕" panose="020B0503020000020004" charset="-127"/>
+                          <a:sym typeface="+mn-ea"/>
+                        </a:rPr>
                         <a:t>order.html</a:t>
                       </a:r>
                       <a:endParaRPr lang="ko-KR" altLang="en-US" sz="1000" b="0" i="0" kern="1200">
@@ -35803,6 +35935,28 @@
                           <a:ea typeface="맑은 고딕" panose="020B0503020000020004" charset="-127"/>
                           <a:sym typeface="+mn-ea"/>
                         </a:rPr>
+                        <a:t>Category/</a:t>
+                      </a:r>
+                      <a:r>
+                        <a:rPr lang="en-US" altLang="ko-KR" sz="1000" kern="1200">
+                          <a:solidFill>
+                            <a:schemeClr val="tx1"/>
+                          </a:solidFill>
+                          <a:latin typeface="맑은 고딕" panose="020B0503020000020004" charset="-127"/>
+                          <a:ea typeface="맑은 고딕" panose="020B0503020000020004" charset="-127"/>
+                          <a:sym typeface="+mn-ea"/>
+                        </a:rPr>
+                        <a:t>Book/</a:t>
+                      </a:r>
+                      <a:r>
+                        <a:rPr lang="en-US" altLang="ko-KR" sz="1000" kern="1200">
+                          <a:solidFill>
+                            <a:schemeClr val="tx1"/>
+                          </a:solidFill>
+                          <a:latin typeface="맑은 고딕" panose="020B0503020000020004" charset="-127"/>
+                          <a:ea typeface="맑은 고딕" panose="020B0503020000020004" charset="-127"/>
+                          <a:sym typeface="+mn-ea"/>
+                        </a:rPr>
                         <a:t>completed.html</a:t>
                       </a:r>
                       <a:endParaRPr lang="ko-KR" altLang="en-US" sz="1000" b="0" i="0" kern="1200">
@@ -39029,6 +39183,28 @@
                         <a:buFontTx/>
                         <a:buNone/>
                       </a:pPr>
+                      <a:r>
+                        <a:rPr lang="en-US" altLang="ko-KR" sz="1000" kern="1200">
+                          <a:solidFill>
+                            <a:schemeClr val="tx1"/>
+                          </a:solidFill>
+                          <a:latin typeface="맑은 고딕" panose="020B0503020000020004" charset="-127"/>
+                          <a:ea typeface="맑은 고딕" panose="020B0503020000020004" charset="-127"/>
+                          <a:sym typeface="+mn-ea"/>
+                        </a:rPr>
+                        <a:t>Category/</a:t>
+                      </a:r>
+                      <a:r>
+                        <a:rPr lang="en-US" altLang="ko-KR" sz="1000" kern="1200">
+                          <a:solidFill>
+                            <a:schemeClr val="tx1"/>
+                          </a:solidFill>
+                          <a:latin typeface="맑은 고딕" panose="020B0503020000020004" charset="-127"/>
+                          <a:ea typeface="맑은 고딕" panose="020B0503020000020004" charset="-127"/>
+                          <a:sym typeface="+mn-ea"/>
+                        </a:rPr>
+                        <a:t>Book/</a:t>
+                      </a:r>
                       <a:r>
                         <a:rPr lang="en-US" altLang="ko-KR" sz="1000" kern="1200">
                           <a:solidFill>
